--- a/lesson3/src/main/kotlin/ru/tbank/education/school/lesson3/tasks/2_s2/sem3.pptx
+++ b/lesson3/src/main/kotlin/ru/tbank/education/school/lesson3/tasks/2_s2/sem3.pptx
@@ -21,7 +21,7 @@
   <p:notesSz cx="19799300" cy="11160125"/>
   <p:embeddedFontLst>
     <p:embeddedFont>
-      <p:font typeface="Tinkoff Sans" panose="02000506050000020004" pitchFamily="2" charset="0"/>
+      <p:font typeface="Tinkoff Sans" panose="020B0604020202020204" charset="-52"/>
       <p:regular r:id="rId11"/>
       <p:bold r:id="rId12"/>
     </p:embeddedFont>
@@ -312,7 +312,7 @@
             <a:srgbClr val="A4A3A4"/>
           </p15:clr>
         </p15:guide>
-        <p15:guide id="2" orient="horz" pos="3515">
+        <p15:guide id="2" orient="horz" pos="3538" userDrawn="1">
           <p15:clr>
             <a:srgbClr val="A4A3A4"/>
           </p15:clr>
@@ -327,6 +327,62 @@
 <p188:authorLst xmlns:a="http://schemas.openxmlformats.org/drawingml/2006/main" xmlns:r="http://schemas.openxmlformats.org/officeDocument/2006/relationships" xmlns:p188="http://schemas.microsoft.com/office/powerpoint/2018/8/main">
   <p188:author id="{9EE43FDF-ECDA-34A3-ADE7-C7DA831C0A0E}" name="Пальцева Злата Игоревна" initials="ПЗИ" userId="S::zipaltseva@edu.hse.ru::5bf150a5-51ad-4db6-bc5e-a3cea9dac229" providerId="AD"/>
 </p188:authorLst>
+</file>
+
+<file path=ppt/ink/ink1.xml><?xml version="1.0" encoding="utf-8"?>
+<inkml:ink xmlns:inkml="http://www.w3.org/2003/InkML">
+  <inkml:definitions>
+    <inkml:context xml:id="ctx0">
+      <inkml:inkSource xml:id="inkSrc0">
+        <inkml:traceFormat>
+          <inkml:channel name="X" type="integer" min="-2.14748E9" max="2.14748E9" units="cm"/>
+          <inkml:channel name="Y" type="integer" min="-2.14748E9" max="2.14748E9" units="cm"/>
+          <inkml:channel name="F" type="integer" max="32767" units="dev"/>
+        </inkml:traceFormat>
+        <inkml:channelProperties>
+          <inkml:channelProperty channel="X" name="resolution" value="1000" units="1/cm"/>
+          <inkml:channelProperty channel="Y" name="resolution" value="1000" units="1/cm"/>
+          <inkml:channelProperty channel="F" name="resolution" value="0" units="1/dev"/>
+        </inkml:channelProperties>
+      </inkml:inkSource>
+      <inkml:timestamp xml:id="ts0" timeString="2025-11-20T08:59:02.805"/>
+    </inkml:context>
+    <inkml:brush xml:id="br0">
+      <inkml:brushProperty name="width" value="0.035" units="cm"/>
+      <inkml:brushProperty name="height" value="0.035" units="cm"/>
+      <inkml:brushProperty name="color" value="#E71224"/>
+    </inkml:brush>
+  </inkml:definitions>
+  <inkml:trace contextRef="#ctx0" brushRef="#br0">1699 314 24575,'-1170'0'0,"1153"0"0,0 1 0,0 0 0,0 1 0,0 1 0,1 1 0,-1 0 0,-27 12 0,34-11 0,-1 1 0,1 0 0,0 0 0,0 1 0,1 0 0,0 1 0,0 0 0,1 0 0,0 1 0,1 0 0,-13 20 0,-121 186 0,130-196 0,1 0 0,0 1 0,2 0 0,0 0 0,-8 39 0,4-16 0,4-18 0,2 1 0,1 0 0,1 0 0,-2 36 0,6-54 0,0 1 0,0-1 0,1 0 0,-1 0 0,2 0 0,-1 0 0,1-1 0,1 1 0,-1 0 0,1-1 0,0 1 0,1-1 0,0 0 0,0 0 0,1-1 0,0 1 0,0-1 0,8 8 0,-1-4 0,1-2 0,0 0 0,1 0 0,-1-2 0,1 1 0,1-2 0,-1 0 0,1-1 0,0 0 0,0-1 0,21 2 0,21-2 0,99-5 0,-77-1 0,19 0 0,209 5 0,-271 4 0,-1 1 0,1 1 0,-1 2 0,37 17 0,-10-5 0,70 24 0,8 8 0,-18-6 0,-79-37 0,1-1 0,0-3 0,0-1 0,1-3 0,48-2 0,23 3 0,38 16 0,-100-10 0,67 2 0,493-11 0,-293-3 0,-283 4 0,0 1 0,45 11 0,6 1 0,63 9 0,-78-11 0,119 6 0,-35-12 0,-129-3 0,0 1 0,0 0 0,38 15 0,-2 2 0,0-3 0,1-3 0,1-2 0,0-4 0,1-2 0,70-2 0,752-9 0,-863 2 0,0-1 0,-1-2 0,1 0 0,-1-2 0,0-1 0,-1 0 0,31-15 0,4-1 0,-26 10 0,0 0 0,-1-3 0,48-29 0,-68 36 0,0 2 0,0 0 0,1 0 0,0 1 0,0 1 0,0 0 0,22-4 0,-6 4 0,-1 2 0,55 1 0,-53 1 0,0-2 0,0-1 0,0-1 0,0-2 0,-1-1 0,53-21 0,-74 25 0,0-1 0,0 0 0,-1 0 0,0-1 0,0 0 0,-1 0 0,0-1 0,0 0 0,0 0 0,-1-1 0,0 1 0,0-1 0,-1-1 0,0 1 0,0-1 0,-1 0 0,0 0 0,-1 0 0,0-1 0,-1 1 0,1-1 0,-2 1 0,0-1 0,0 0 0,-1-17 0,0 13 0,-1 0 0,0-1 0,-1 1 0,-1 0 0,0 0 0,-1 0 0,-1 1 0,0 0 0,-1-1 0,0 2 0,-1-1 0,0 1 0,-1 0 0,0 0 0,-1 1 0,0 0 0,-15-12 0,-60-46 0,-79-69 0,69 56 0,55 50 0,1-2 0,-55-64 0,48 48 0,-2 1 0,-2 2 0,-95-68 0,103 87 0,-1 2 0,-61-27 0,97 50 0,-134-74 0,106 57 0,0 2 0,-1 2 0,0 1 0,-1 2 0,-1 1 0,0 2 0,0 2 0,-59-6 0,-270 4 0,328 11 0,-1518 2 0,850-4 0,681 2 0,0 2 0,0 1 0,0 2 0,0 0 0,-42 17 0,31-11 0,-56 13 0,-124 28 0,77-14 0,123-33-80,0 1 0,1 0 0,-1 1 0,1 1 0,1 0 0,0 1-1,0 0 1,-14 16 0,14-15-564,-7 6-6182</inkml:trace>
+</inkml:ink>
+</file>
+
+<file path=ppt/ink/ink2.xml><?xml version="1.0" encoding="utf-8"?>
+<inkml:ink xmlns:inkml="http://www.w3.org/2003/InkML">
+  <inkml:definitions>
+    <inkml:context xml:id="ctx0">
+      <inkml:inkSource xml:id="inkSrc0">
+        <inkml:traceFormat>
+          <inkml:channel name="X" type="integer" min="-2.14748E9" max="2.14748E9" units="cm"/>
+          <inkml:channel name="Y" type="integer" min="-2.14748E9" max="2.14748E9" units="cm"/>
+          <inkml:channel name="F" type="integer" max="32767" units="dev"/>
+        </inkml:traceFormat>
+        <inkml:channelProperties>
+          <inkml:channelProperty channel="X" name="resolution" value="1000" units="1/cm"/>
+          <inkml:channelProperty channel="Y" name="resolution" value="1000" units="1/cm"/>
+          <inkml:channelProperty channel="F" name="resolution" value="0" units="1/dev"/>
+        </inkml:channelProperties>
+      </inkml:inkSource>
+      <inkml:timestamp xml:id="ts0" timeString="2025-11-20T08:59:09.555"/>
+    </inkml:context>
+    <inkml:brush xml:id="br0">
+      <inkml:brushProperty name="width" value="0.035" units="cm"/>
+      <inkml:brushProperty name="height" value="0.035" units="cm"/>
+      <inkml:brushProperty name="color" value="#E71224"/>
+    </inkml:brush>
+  </inkml:definitions>
+  <inkml:trace contextRef="#ctx0" brushRef="#br0">0 0 24575,'0'0'-8191</inkml:trace>
+</inkml:ink>
 </file>
 
 <file path=ppt/notesMasters/notesMaster1.xml><?xml version="1.0" encoding="utf-8"?>
@@ -37217,12 +37273,42 @@
           </a:p>
         </p:txBody>
       </p:sp>
+      <p:pic>
+        <p:nvPicPr>
+          <p:cNvPr id="6" name="Рисунок 5">
+            <a:extLst>
+              <a:ext uri="{FF2B5EF4-FFF2-40B4-BE49-F238E27FC236}">
+                <a16:creationId xmlns:a16="http://schemas.microsoft.com/office/drawing/2014/main" id="{E765348B-DE04-EE99-3B37-9EC01F7C916A}"/>
+              </a:ext>
+            </a:extLst>
+          </p:cNvPr>
+          <p:cNvPicPr>
+            <a:picLocks noChangeAspect="1"/>
+          </p:cNvPicPr>
+          <p:nvPr/>
+        </p:nvPicPr>
+        <p:blipFill>
+          <a:blip r:embed="rId3"/>
+          <a:stretch>
+            <a:fillRect/>
+          </a:stretch>
+        </p:blipFill>
+        <p:spPr>
+          <a:xfrm>
+            <a:off x="12032378" y="1488756"/>
+            <a:ext cx="6239746" cy="7535327"/>
+          </a:xfrm>
+          <a:prstGeom prst="rect">
+            <a:avLst/>
+          </a:prstGeom>
+        </p:spPr>
+      </p:pic>
       <p:sp>
         <p:nvSpPr>
-          <p:cNvPr id="4" name="TextBox 3">
+          <p:cNvPr id="7" name="TextBox 6">
             <a:extLst>
               <a:ext uri="{FF2B5EF4-FFF2-40B4-BE49-F238E27FC236}">
-                <a16:creationId xmlns:a16="http://schemas.microsoft.com/office/drawing/2014/main" id="{907E1BC4-0EB0-61AF-9A3C-842FB8C3A3B3}"/>
+                <a16:creationId xmlns:a16="http://schemas.microsoft.com/office/drawing/2014/main" id="{EBE28C6D-6672-8D51-26CC-C996CA64A5EF}"/>
               </a:ext>
             </a:extLst>
           </p:cNvPr>
@@ -37231,8 +37317,8 @@
         </p:nvSpPr>
         <p:spPr bwMode="auto">
           <a:xfrm>
-            <a:off x="6436174" y="5580062"/>
-            <a:ext cx="11102340" cy="2345257"/>
+            <a:off x="1022447" y="4010403"/>
+            <a:ext cx="7154779" cy="1569660"/>
           </a:xfrm>
           <a:prstGeom prst="rect">
             <a:avLst/>
@@ -37242,84 +37328,53 @@
             <a:noFill/>
             <a:miter lim="400000"/>
           </a:ln>
-          <a:effectLst/>
-          <a:sp3d/>
         </p:spPr>
         <p:style>
           <a:lnRef idx="0">
-            <a:scrgbClr r="0" g="0" b="0"/>
+            <a:srgbClr val="000000"/>
           </a:lnRef>
           <a:fillRef idx="0">
-            <a:scrgbClr r="0" g="0" b="0"/>
+            <a:srgbClr val="000000"/>
           </a:fillRef>
           <a:effectRef idx="0">
-            <a:scrgbClr r="0" g="0" b="0"/>
+            <a:srgbClr val="000000"/>
           </a:effectRef>
           <a:fontRef idx="none"/>
         </p:style>
         <p:txBody>
-          <a:bodyPr wrap="square" lIns="0" tIns="0" rIns="0" bIns="0" anchor="t">
+          <a:bodyPr wrap="square" rtlCol="0">
             <a:spAutoFit/>
           </a:bodyPr>
-          <a:lstStyle>
-            <a:defPPr marL="0" marR="0" indent="0" algn="l" defTabSz="900060" rtl="0" fontAlgn="auto" latinLnBrk="1" hangingPunct="0">
-              <a:lnSpc>
-                <a:spcPct val="100000"/>
-              </a:lnSpc>
-              <a:spcBef>
-                <a:spcPts val="0"/>
-              </a:spcBef>
-              <a:spcAft>
-                <a:spcPts val="0"/>
-              </a:spcAft>
-              <a:buClrTx/>
-              <a:buSzTx/>
-              <a:buFontTx/>
-              <a:buNone/>
-              <a:tabLst/>
-              <a:defRPr kumimoji="0" lang="ru-RU" sz="1773" b="0" i="0" u="none" strike="noStrike" cap="none" spc="0" normalizeH="0" baseline="0">
-                <a:ln>
-                  <a:noFill/>
-                </a:ln>
-                <a:solidFill>
-                  <a:srgbClr val="000000"/>
-                </a:solidFill>
-                <a:effectLst/>
-                <a:uFillTx/>
-              </a:defRPr>
-            </a:defPPr>
-            <a:lvl1pPr>
-              <a:lnSpc>
-                <a:spcPct val="130000"/>
-              </a:lnSpc>
-              <a:spcAft>
-                <a:spcPts val="1800"/>
-              </a:spcAft>
-              <a:defRPr sz="3200">
-                <a:solidFill>
-                  <a:schemeClr val="bg2">
-                    <a:lumMod val="75000"/>
-                  </a:schemeClr>
-                </a:solidFill>
-                <a:latin typeface="Tinkoff Sans" panose="02000506050000020004" pitchFamily="2" charset="0"/>
-              </a:defRPr>
-            </a:lvl1pPr>
-          </a:lstStyle>
+          <a:lstStyle/>
           <a:p>
             <a:r>
-              <a:rPr lang="ru-RU" b="1" dirty="0"/>
-              <a:t>Сюда скрин и рассказываем что вам дано</a:t>
+              <a:rPr lang="ru-RU" sz="3200" dirty="0"/>
+              <a:t>Задачи:</a:t>
             </a:r>
-            <a:endParaRPr lang="ru-RU" dirty="0"/>
-          </a:p>
-          <a:p>
-            <a:pPr marL="514350" indent="-514350">
-              <a:buAutoNum type="arabicPeriod"/>
-            </a:pPr>
-            <a:endParaRPr lang="ru-RU" dirty="0"/>
-          </a:p>
-          <a:p>
-            <a:endParaRPr lang="ru-RU" dirty="0"/>
+            <a:endParaRPr lang="en-US" sz="3200" dirty="0"/>
+          </a:p>
+          <a:p>
+            <a:pPr marL="285750" indent="-285750">
+              <a:buFont typeface="Arial" panose="020B0604020202020204" pitchFamily="34" charset="0"/>
+              <a:buChar char="•"/>
+            </a:pPr>
+            <a:r>
+              <a:rPr lang="ru-RU" sz="3200" dirty="0"/>
+              <a:t> </a:t>
+            </a:r>
+            <a:r>
+              <a:rPr lang="ru-RU" sz="3200" dirty="0" err="1"/>
+              <a:t>Пофиксить</a:t>
+            </a:r>
+            <a:r>
+              <a:rPr lang="ru-RU" sz="3200" dirty="0"/>
+              <a:t> несоответствие элементов кода с </a:t>
+            </a:r>
+            <a:r>
+              <a:rPr lang="en-US" sz="3200" dirty="0"/>
+              <a:t>SOLID</a:t>
+            </a:r>
+            <a:endParaRPr lang="ru-RU" sz="3200" dirty="0"/>
           </a:p>
         </p:txBody>
       </p:sp>
@@ -37846,12 +37901,93 @@
           </a:p>
         </p:txBody>
       </p:sp>
+      <p:pic>
+        <p:nvPicPr>
+          <p:cNvPr id="2" name="Рисунок 1">
+            <a:extLst>
+              <a:ext uri="{FF2B5EF4-FFF2-40B4-BE49-F238E27FC236}">
+                <a16:creationId xmlns:a16="http://schemas.microsoft.com/office/drawing/2014/main" id="{69C81673-6BCB-7C0D-A3DC-7B896269EB57}"/>
+              </a:ext>
+            </a:extLst>
+          </p:cNvPr>
+          <p:cNvPicPr>
+            <a:picLocks noChangeAspect="1"/>
+          </p:cNvPicPr>
+          <p:nvPr/>
+        </p:nvPicPr>
+        <p:blipFill>
+          <a:blip r:embed="rId3"/>
+          <a:stretch>
+            <a:fillRect/>
+          </a:stretch>
+        </p:blipFill>
+        <p:spPr bwMode="auto">
+          <a:xfrm>
+            <a:off x="10390416" y="1234137"/>
+            <a:ext cx="7523970" cy="9086199"/>
+          </a:xfrm>
+          <a:prstGeom prst="rect">
+            <a:avLst/>
+          </a:prstGeom>
+        </p:spPr>
+      </p:pic>
+      <mc:AlternateContent xmlns:mc="http://schemas.openxmlformats.org/markup-compatibility/2006">
+        <mc:Choice xmlns:p14="http://schemas.microsoft.com/office/powerpoint/2010/main" Requires="p14">
+          <p:contentPart p14:bwMode="auto" r:id="rId4">
+            <p14:nvContentPartPr>
+              <p14:cNvPr id="5" name="Рукописный ввод 4">
+                <a:extLst>
+                  <a:ext uri="{FF2B5EF4-FFF2-40B4-BE49-F238E27FC236}">
+                    <a16:creationId xmlns:a16="http://schemas.microsoft.com/office/drawing/2014/main" id="{35665966-1F1D-82EC-A25B-BB5D71E7DBC8}"/>
+                  </a:ext>
+                </a:extLst>
+              </p14:cNvPr>
+              <p14:cNvContentPartPr/>
+              <p14:nvPr/>
+            </p14:nvContentPartPr>
+            <p14:xfrm>
+              <a:off x="10393023" y="1651011"/>
+              <a:ext cx="2473560" cy="644400"/>
+            </p14:xfrm>
+          </p:contentPart>
+        </mc:Choice>
+        <mc:Fallback>
+          <p:pic>
+            <p:nvPicPr>
+              <p:cNvPr id="5" name="Рукописный ввод 4">
+                <a:extLst>
+                  <a:ext uri="{FF2B5EF4-FFF2-40B4-BE49-F238E27FC236}">
+                    <a16:creationId xmlns:a16="http://schemas.microsoft.com/office/drawing/2014/main" id="{35665966-1F1D-82EC-A25B-BB5D71E7DBC8}"/>
+                  </a:ext>
+                </a:extLst>
+              </p:cNvPr>
+              <p:cNvPicPr/>
+              <p:nvPr/>
+            </p:nvPicPr>
+            <p:blipFill>
+              <a:blip r:embed="rId5"/>
+              <a:stretch>
+                <a:fillRect/>
+              </a:stretch>
+            </p:blipFill>
+            <p:spPr>
+              <a:xfrm>
+                <a:off x="10386903" y="1644891"/>
+                <a:ext cx="2485800" cy="656640"/>
+              </a:xfrm>
+              <a:prstGeom prst="rect">
+                <a:avLst/>
+              </a:prstGeom>
+            </p:spPr>
+          </p:pic>
+        </mc:Fallback>
+      </mc:AlternateContent>
       <p:sp>
         <p:nvSpPr>
-          <p:cNvPr id="4" name="TextBox 3">
+          <p:cNvPr id="6" name="TextBox 5">
             <a:extLst>
               <a:ext uri="{FF2B5EF4-FFF2-40B4-BE49-F238E27FC236}">
-                <a16:creationId xmlns:a16="http://schemas.microsoft.com/office/drawing/2014/main" id="{E268D993-7497-618A-CDCB-0C66BC03DBE5}"/>
+                <a16:creationId xmlns:a16="http://schemas.microsoft.com/office/drawing/2014/main" id="{A4FBF5DA-64BB-A491-BD91-A629CE9C82D2}"/>
               </a:ext>
             </a:extLst>
           </p:cNvPr>
@@ -37860,8 +37996,8 @@
         </p:nvSpPr>
         <p:spPr bwMode="auto">
           <a:xfrm>
-            <a:off x="4390971" y="5580062"/>
-            <a:ext cx="13355506" cy="2345257"/>
+            <a:off x="433137" y="3930316"/>
+            <a:ext cx="5767926" cy="584775"/>
           </a:xfrm>
           <a:prstGeom prst="rect">
             <a:avLst/>
@@ -37871,84 +38007,29 @@
             <a:noFill/>
             <a:miter lim="400000"/>
           </a:ln>
-          <a:effectLst/>
-          <a:sp3d/>
         </p:spPr>
         <p:style>
           <a:lnRef idx="0">
-            <a:scrgbClr r="0" g="0" b="0"/>
+            <a:srgbClr val="000000"/>
           </a:lnRef>
           <a:fillRef idx="0">
-            <a:scrgbClr r="0" g="0" b="0"/>
+            <a:srgbClr val="000000"/>
           </a:fillRef>
           <a:effectRef idx="0">
-            <a:scrgbClr r="0" g="0" b="0"/>
+            <a:srgbClr val="000000"/>
           </a:effectRef>
           <a:fontRef idx="none"/>
         </p:style>
         <p:txBody>
-          <a:bodyPr wrap="square" lIns="0" tIns="0" rIns="0" bIns="0" anchor="t">
+          <a:bodyPr wrap="none" rtlCol="0">
             <a:spAutoFit/>
           </a:bodyPr>
-          <a:lstStyle>
-            <a:defPPr marL="0" marR="0" indent="0" algn="l" defTabSz="900060" rtl="0" fontAlgn="auto" latinLnBrk="1" hangingPunct="0">
-              <a:lnSpc>
-                <a:spcPct val="100000"/>
-              </a:lnSpc>
-              <a:spcBef>
-                <a:spcPts val="0"/>
-              </a:spcBef>
-              <a:spcAft>
-                <a:spcPts val="0"/>
-              </a:spcAft>
-              <a:buClrTx/>
-              <a:buSzTx/>
-              <a:buFontTx/>
-              <a:buNone/>
-              <a:tabLst/>
-              <a:defRPr kumimoji="0" lang="ru-RU" sz="1773" b="0" i="0" u="none" strike="noStrike" cap="none" spc="0" normalizeH="0" baseline="0">
-                <a:ln>
-                  <a:noFill/>
-                </a:ln>
-                <a:solidFill>
-                  <a:srgbClr val="000000"/>
-                </a:solidFill>
-                <a:effectLst/>
-                <a:uFillTx/>
-              </a:defRPr>
-            </a:defPPr>
-            <a:lvl1pPr>
-              <a:lnSpc>
-                <a:spcPct val="130000"/>
-              </a:lnSpc>
-              <a:spcAft>
-                <a:spcPts val="1800"/>
-              </a:spcAft>
-              <a:defRPr sz="3200">
-                <a:solidFill>
-                  <a:schemeClr val="bg2">
-                    <a:lumMod val="75000"/>
-                  </a:schemeClr>
-                </a:solidFill>
-                <a:latin typeface="Tinkoff Sans" panose="02000506050000020004" pitchFamily="2" charset="0"/>
-              </a:defRPr>
-            </a:lvl1pPr>
-          </a:lstStyle>
+          <a:lstStyle/>
           <a:p>
             <a:r>
-              <a:rPr lang="ru-RU" b="1" dirty="0"/>
-              <a:t>Сюда проблемные места (лучше скринами) и что с ними не так </a:t>
+              <a:rPr lang="ru-RU" sz="3200" b="1" dirty="0"/>
+              <a:t>Все функции в одном классе</a:t>
             </a:r>
-            <a:endParaRPr lang="ru-RU" dirty="0"/>
-          </a:p>
-          <a:p>
-            <a:pPr marL="514350" indent="-514350">
-              <a:buAutoNum type="arabicPeriod"/>
-            </a:pPr>
-            <a:endParaRPr lang="ru-RU" dirty="0"/>
-          </a:p>
-          <a:p>
-            <a:endParaRPr lang="ru-RU" dirty="0"/>
           </a:p>
         </p:txBody>
       </p:sp>
@@ -38489,8 +38570,8 @@
         </p:nvSpPr>
         <p:spPr bwMode="auto">
           <a:xfrm>
-            <a:off x="3672047" y="5580062"/>
-            <a:ext cx="15134270" cy="4727448"/>
+            <a:off x="206952" y="3434711"/>
+            <a:ext cx="15134270" cy="1474250"/>
           </a:xfrm>
           <a:prstGeom prst="rect">
             <a:avLst/>
@@ -38566,49 +38647,118 @@
           <a:p>
             <a:r>
               <a:rPr lang="ru-RU" b="1" dirty="0"/>
-              <a:t>Сюда то как вы решили проблемы (скринами) и почему выбрали такое решение</a:t>
+              <a:t>Добавлено разделение на 3 класса по назначению</a:t>
             </a:r>
             <a:r>
               <a:rPr lang="en-US" b="1" dirty="0"/>
-              <a:t>. </a:t>
+              <a:t>;</a:t>
             </a:r>
           </a:p>
           <a:p>
             <a:r>
               <a:rPr lang="ru-RU" b="1" dirty="0"/>
-              <a:t>ВАЖНО уметь ответить вопрос ПОЧЕМУ</a:t>
+              <a:t>Добавлен</a:t>
+            </a:r>
+            <a:r>
+              <a:rPr lang="ru-RU" dirty="0"/>
+              <a:t> </a:t>
+            </a:r>
+            <a:r>
+              <a:rPr lang="ru-RU" b="1" dirty="0"/>
+              <a:t>интерфейс, </a:t>
             </a:r>
             <a:r>
               <a:rPr lang="en-US" b="1" dirty="0"/>
-              <a:t>.</a:t>
+              <a:t>override </a:t>
             </a:r>
-          </a:p>
-          <a:p>
             <a:r>
               <a:rPr lang="ru-RU" b="1" dirty="0"/>
-              <a:t>Можете не успеть все проблемы решить – это </a:t>
+              <a:t>функции</a:t>
             </a:r>
-            <a:r>
-              <a:rPr lang="ru-RU" b="1" dirty="0" err="1"/>
-              <a:t>ок</a:t>
-            </a:r>
-            <a:r>
-              <a:rPr lang="en-US" b="1" dirty="0"/>
-              <a:t>.</a:t>
-            </a:r>
-            <a:endParaRPr lang="ru-RU" dirty="0"/>
-          </a:p>
-          <a:p>
-            <a:pPr marL="514350" indent="-514350">
-              <a:buAutoNum type="arabicPeriod"/>
-            </a:pPr>
-            <a:endParaRPr lang="ru-RU" dirty="0"/>
-          </a:p>
-          <a:p>
-            <a:endParaRPr lang="ru-RU" dirty="0"/>
           </a:p>
         </p:txBody>
       </p:sp>
+      <mc:AlternateContent xmlns:mc="http://schemas.openxmlformats.org/markup-compatibility/2006">
+        <mc:Choice xmlns:p14="http://schemas.microsoft.com/office/powerpoint/2010/main" Requires="p14">
+          <p:contentPart p14:bwMode="auto" r:id="rId3">
+            <p14:nvContentPartPr>
+              <p14:cNvPr id="2" name="Рукописный ввод 1">
+                <a:extLst>
+                  <a:ext uri="{FF2B5EF4-FFF2-40B4-BE49-F238E27FC236}">
+                    <a16:creationId xmlns:a16="http://schemas.microsoft.com/office/drawing/2014/main" id="{CEA041C9-68B4-5651-FCC5-E229F2B35CAE}"/>
+                  </a:ext>
+                </a:extLst>
+              </p14:cNvPr>
+              <p14:cNvContentPartPr/>
+              <p14:nvPr/>
+            </p14:nvContentPartPr>
+            <p14:xfrm>
+              <a:off x="6673143" y="6833571"/>
+              <a:ext cx="360" cy="360"/>
+            </p14:xfrm>
+          </p:contentPart>
+        </mc:Choice>
+        <mc:Fallback>
+          <p:pic>
+            <p:nvPicPr>
+              <p:cNvPr id="2" name="Рукописный ввод 1">
+                <a:extLst>
+                  <a:ext uri="{FF2B5EF4-FFF2-40B4-BE49-F238E27FC236}">
+                    <a16:creationId xmlns:a16="http://schemas.microsoft.com/office/drawing/2014/main" id="{CEA041C9-68B4-5651-FCC5-E229F2B35CAE}"/>
+                  </a:ext>
+                </a:extLst>
+              </p:cNvPr>
+              <p:cNvPicPr/>
+              <p:nvPr/>
+            </p:nvPicPr>
+            <p:blipFill>
+              <a:blip r:embed="rId4"/>
+              <a:stretch>
+                <a:fillRect/>
+              </a:stretch>
+            </p:blipFill>
+            <p:spPr>
+              <a:xfrm>
+                <a:off x="6667023" y="6827451"/>
+                <a:ext cx="12600" cy="12600"/>
+              </a:xfrm>
+              <a:prstGeom prst="rect">
+                <a:avLst/>
+              </a:prstGeom>
+            </p:spPr>
+          </p:pic>
+        </mc:Fallback>
+      </mc:AlternateContent>
+      <p:pic>
+        <p:nvPicPr>
+          <p:cNvPr id="10" name="Рисунок 9">
+            <a:extLst>
+              <a:ext uri="{FF2B5EF4-FFF2-40B4-BE49-F238E27FC236}">
+                <a16:creationId xmlns:a16="http://schemas.microsoft.com/office/drawing/2014/main" id="{78743FA6-9DAC-D1B5-1D65-21713E3FC73B}"/>
+              </a:ext>
+            </a:extLst>
+          </p:cNvPr>
+          <p:cNvPicPr>
+            <a:picLocks noChangeAspect="1"/>
+          </p:cNvPicPr>
+          <p:nvPr/>
+        </p:nvPicPr>
+        <p:blipFill>
+          <a:blip r:embed="rId5"/>
+          <a:stretch>
+            <a:fillRect/>
+          </a:stretch>
+        </p:blipFill>
+        <p:spPr>
+          <a:xfrm>
+            <a:off x="10599608" y="567587"/>
+            <a:ext cx="8564170" cy="8164064"/>
+          </a:xfrm>
+          <a:prstGeom prst="rect">
+            <a:avLst/>
+          </a:prstGeom>
+        </p:spPr>
+      </p:pic>
     </p:spTree>
     <p:extLst>
       <p:ext uri="{BB962C8B-B14F-4D97-AF65-F5344CB8AC3E}">
